--- a/_lectures/13-AtulKedia2/Atul-LORENE talk.pptx
+++ b/_lectures/13-AtulKedia2/Atul-LORENE talk.pptx
@@ -5,7 +5,7 @@
     <p:sldMasterId id="2147483660" r:id="rId1"/>
   </p:sldMasterIdLst>
   <p:notesMasterIdLst>
-    <p:notesMasterId r:id="rId19"/>
+    <p:notesMasterId r:id="rId20"/>
   </p:notesMasterIdLst>
   <p:sldIdLst>
     <p:sldId id="256" r:id="rId2"/>
@@ -25,34 +25,35 @@
     <p:sldId id="324" r:id="rId16"/>
     <p:sldId id="323" r:id="rId17"/>
     <p:sldId id="335" r:id="rId18"/>
+    <p:sldId id="336" r:id="rId19"/>
   </p:sldIdLst>
   <p:sldSz cx="9144000" cy="5143500" type="screen16x9"/>
   <p:notesSz cx="6858000" cy="9144000"/>
   <p:embeddedFontLst>
     <p:embeddedFont>
       <p:font typeface="Bookman Old Style" panose="02050604050505020204" pitchFamily="18" charset="0"/>
-      <p:regular r:id="rId20"/>
-      <p:bold r:id="rId21"/>
-      <p:italic r:id="rId22"/>
-      <p:boldItalic r:id="rId23"/>
+      <p:regular r:id="rId21"/>
+      <p:bold r:id="rId22"/>
+      <p:italic r:id="rId23"/>
+      <p:boldItalic r:id="rId24"/>
     </p:embeddedFont>
     <p:embeddedFont>
       <p:font typeface="Cambria Math" panose="02040503050406030204" pitchFamily="18" charset="0"/>
-      <p:regular r:id="rId24"/>
+      <p:regular r:id="rId25"/>
     </p:embeddedFont>
     <p:embeddedFont>
       <p:font typeface="Lato" panose="020B0604020202020204" charset="0"/>
-      <p:regular r:id="rId25"/>
-      <p:bold r:id="rId26"/>
-      <p:italic r:id="rId27"/>
-      <p:boldItalic r:id="rId28"/>
+      <p:regular r:id="rId26"/>
+      <p:bold r:id="rId27"/>
+      <p:italic r:id="rId28"/>
+      <p:boldItalic r:id="rId29"/>
     </p:embeddedFont>
     <p:embeddedFont>
       <p:font typeface="Raleway" panose="020B0604020202020204" charset="0"/>
-      <p:regular r:id="rId29"/>
-      <p:bold r:id="rId30"/>
-      <p:italic r:id="rId31"/>
-      <p:boldItalic r:id="rId32"/>
+      <p:regular r:id="rId30"/>
+      <p:bold r:id="rId31"/>
+      <p:italic r:id="rId32"/>
+      <p:boldItalic r:id="rId33"/>
     </p:embeddedFont>
   </p:embeddedFontLst>
   <p:defaultTextStyle>
@@ -1917,14 +1918,24 @@
           </a:bodyPr>
           <a:lstStyle/>
           <a:p>
-            <a:pPr marL="0" lvl="0" indent="0" algn="l" rtl="0">
-              <a:spcBef>
-                <a:spcPts val="0"/>
-              </a:spcBef>
-              <a:spcAft>
-                <a:spcPts val="0"/>
-              </a:spcAft>
-              <a:buNone/>
+            <a:pPr marL="0" marR="0" lvl="0" indent="0" algn="l" defTabSz="914400" rtl="0" eaLnBrk="1" fontAlgn="auto" latinLnBrk="0" hangingPunct="1">
+              <a:lnSpc>
+                <a:spcPct val="100000"/>
+              </a:lnSpc>
+              <a:spcBef>
+                <a:spcPts val="0"/>
+              </a:spcBef>
+              <a:spcAft>
+                <a:spcPts val="0"/>
+              </a:spcAft>
+              <a:buClr>
+                <a:srgbClr val="000000"/>
+              </a:buClr>
+              <a:buSzPts val="1100"/>
+              <a:buFont typeface="Arial"/>
+              <a:buNone/>
+              <a:tabLst/>
+              <a:defRPr/>
             </a:pPr>
             <a:endParaRPr lang="en-US" dirty="0"/>
           </a:p>
@@ -9534,7 +9545,7 @@
         </p:nvSpPr>
         <p:spPr>
           <a:xfrm>
-            <a:off x="1959667" y="1716204"/>
+            <a:off x="1966755" y="1805338"/>
             <a:ext cx="5486400" cy="498300"/>
           </a:xfrm>
           <a:prstGeom prst="rect">
@@ -9578,7 +9589,7 @@
             </a:r>
             <a:r>
               <a:rPr lang="en-US" sz="1200" b="1" dirty="0"/>
-              <a:t>NA Einstein Toolkit Workshop</a:t>
+              <a:t>North American Einstein Toolkit Workshop, UIUC</a:t>
             </a:r>
             <a:endParaRPr sz="1200" b="1" dirty="0"/>
           </a:p>
@@ -9648,7 +9659,7 @@
         </p:blipFill>
         <p:spPr>
           <a:xfrm>
-            <a:off x="6023146" y="2741356"/>
+            <a:off x="5874291" y="2689737"/>
             <a:ext cx="1267765" cy="1584720"/>
           </a:xfrm>
           <a:prstGeom prst="rect">
@@ -12048,7 +12059,7 @@
                     <a:cs typeface="Arial"/>
                     <a:sym typeface="Arial"/>
                   </a:rPr>
-                  <a:t>    particularly useful because ET has difficulty accepting tabulated </a:t>
+                  <a:t>    particularly useful to simplify the </a:t>
                 </a:r>
                 <a:r>
                   <a:rPr lang="en-US" dirty="0" err="1">
@@ -12059,12 +12070,15 @@
                   </a:rPr>
                   <a:t>EoS</a:t>
                 </a:r>
-                <a:endParaRPr lang="en-US" dirty="0">
-                  <a:latin typeface="Arial"/>
-                  <a:ea typeface="Arial"/>
-                  <a:cs typeface="Arial"/>
-                  <a:sym typeface="Arial"/>
-                </a:endParaRPr>
+                <a:r>
+                  <a:rPr lang="en-US" dirty="0">
+                    <a:latin typeface="Arial"/>
+                    <a:ea typeface="Arial"/>
+                    <a:cs typeface="Arial"/>
+                    <a:sym typeface="Arial"/>
+                  </a:rPr>
+                  <a:t> and make it easily conveyable.</a:t>
+                </a:r>
               </a:p>
               <a:p>
                 <a:pPr marL="139700" lvl="0" indent="0" algn="l" rtl="0">
@@ -12220,7 +12234,7 @@
               <a:blipFill>
                 <a:blip r:embed="rId3"/>
                 <a:stretch>
-                  <a:fillRect b="-828"/>
+                  <a:fillRect r="-441" b="-828"/>
                 </a:stretch>
               </a:blipFill>
             </p:spPr>
@@ -13030,7 +13044,7 @@
               <p:nvPr>
                 <p:extLst>
                   <p:ext uri="{D42A27DB-BD31-4B8C-83A1-F6EECF244321}">
-                    <p14:modId xmlns:p14="http://schemas.microsoft.com/office/powerpoint/2010/main" val="3867921530"/>
+                    <p14:modId xmlns:p14="http://schemas.microsoft.com/office/powerpoint/2010/main" val="3599291162"/>
                   </p:ext>
                 </p:extLst>
               </p:nvPr>
@@ -14231,7 +14245,27 @@
                               <a:effectLst/>
                               <a:latin typeface="Arial" panose="020B0604020202020204" pitchFamily="34" charset="0"/>
                             </a:rPr>
-                            <a:t>^(1-gamma)</a:t>
+                            <a:t>^(1-</a:t>
+                          </a:r>
+                          <a:r>
+                            <a:rPr lang="el-GR" sz="1150" b="0" i="0" u="none" strike="noStrike" dirty="0">
+                              <a:solidFill>
+                                <a:srgbClr val="0A0A0A"/>
+                              </a:solidFill>
+                              <a:effectLst/>
+                              <a:latin typeface="Arial" panose="020B0604020202020204" pitchFamily="34" charset="0"/>
+                            </a:rPr>
+                            <a:t>Γ</a:t>
+                          </a:r>
+                          <a:r>
+                            <a:rPr lang="en-US" sz="1150" b="0" i="0" u="none" strike="noStrike" dirty="0">
+                              <a:solidFill>
+                                <a:srgbClr val="0A0A0A"/>
+                              </a:solidFill>
+                              <a:effectLst/>
+                              <a:latin typeface="Arial" panose="020B0604020202020204" pitchFamily="34" charset="0"/>
+                            </a:rPr>
+                            <a:t>)</a:t>
                           </a:r>
                           <a:endParaRPr lang="en-US" dirty="0">
                             <a:effectLst/>
@@ -14259,7 +14293,7 @@
                               <a:effectLst/>
                               <a:latin typeface="Arial" panose="020B0604020202020204" pitchFamily="34" charset="0"/>
                             </a:rPr>
-                            <a:t>(In some cases this is multiplied by c_light^2)</a:t>
+                            <a:t>(In some cases, this is multiplied by c_light^2)</a:t>
                           </a:r>
                           <a:endParaRPr lang="en-US" dirty="0">
                             <a:effectLst/>
@@ -15127,7 +15161,7 @@
               <p:nvPr>
                 <p:extLst>
                   <p:ext uri="{D42A27DB-BD31-4B8C-83A1-F6EECF244321}">
-                    <p14:modId xmlns:p14="http://schemas.microsoft.com/office/powerpoint/2010/main" val="3867921530"/>
+                    <p14:modId xmlns:p14="http://schemas.microsoft.com/office/powerpoint/2010/main" val="3599291162"/>
                   </p:ext>
                 </p:extLst>
               </p:nvPr>
@@ -16290,7 +16324,27 @@
                               <a:effectLst/>
                               <a:latin typeface="Arial" panose="020B0604020202020204" pitchFamily="34" charset="0"/>
                             </a:rPr>
-                            <a:t>^(1-gamma)</a:t>
+                            <a:t>^(1-</a:t>
+                          </a:r>
+                          <a:r>
+                            <a:rPr lang="el-GR" sz="1150" b="0" i="0" u="none" strike="noStrike" dirty="0">
+                              <a:solidFill>
+                                <a:srgbClr val="0A0A0A"/>
+                              </a:solidFill>
+                              <a:effectLst/>
+                              <a:latin typeface="Arial" panose="020B0604020202020204" pitchFamily="34" charset="0"/>
+                            </a:rPr>
+                            <a:t>Γ</a:t>
+                          </a:r>
+                          <a:r>
+                            <a:rPr lang="en-US" sz="1150" b="0" i="0" u="none" strike="noStrike" dirty="0">
+                              <a:solidFill>
+                                <a:srgbClr val="0A0A0A"/>
+                              </a:solidFill>
+                              <a:effectLst/>
+                              <a:latin typeface="Arial" panose="020B0604020202020204" pitchFamily="34" charset="0"/>
+                            </a:rPr>
+                            <a:t>)</a:t>
                           </a:r>
                           <a:endParaRPr lang="en-US" dirty="0">
                             <a:effectLst/>
@@ -16318,7 +16372,7 @@
                               <a:effectLst/>
                               <a:latin typeface="Arial" panose="020B0604020202020204" pitchFamily="34" charset="0"/>
                             </a:rPr>
-                            <a:t>(In some cases this is multiplied by c_light^2)</a:t>
+                            <a:t>(In some cases, this is multiplied by c_light^2)</a:t>
                           </a:r>
                           <a:endParaRPr lang="en-US" dirty="0">
                             <a:effectLst/>
@@ -18529,7 +18583,7 @@
         </p:nvSpPr>
         <p:spPr>
           <a:xfrm>
-            <a:off x="727650" y="1459750"/>
+            <a:off x="727650" y="1164782"/>
             <a:ext cx="7688700" cy="3022325"/>
           </a:xfrm>
           <a:prstGeom prst="rect">
@@ -18618,7 +18672,28 @@
                 <a:effectLst/>
                 <a:latin typeface="Arial" panose="020B0604020202020204" pitchFamily="34" charset="0"/>
               </a:rPr>
-              <a:t>[2] LORENE Reference manual https://lorene.obspm.fr/Refguide/</a:t>
+              <a:t>[2] LORENE Reference manual </a:t>
+            </a:r>
+            <a:r>
+              <a:rPr lang="en-US" sz="1200" b="0" i="0" strike="noStrike" dirty="0">
+                <a:solidFill>
+                  <a:schemeClr val="bg2"/>
+                </a:solidFill>
+                <a:effectLst/>
+                <a:latin typeface="Arial" panose="020B0604020202020204" pitchFamily="34" charset="0"/>
+                <a:hlinkClick r:id="rId4"/>
+              </a:rPr>
+              <a:t>https://lorene.obspm.fr/Refguide/</a:t>
+            </a:r>
+            <a:r>
+              <a:rPr lang="en-US" sz="1200" b="0" i="0" strike="noStrike" dirty="0">
+                <a:solidFill>
+                  <a:schemeClr val="bg2"/>
+                </a:solidFill>
+                <a:effectLst/>
+                <a:latin typeface="Arial" panose="020B0604020202020204" pitchFamily="34" charset="0"/>
+              </a:rPr>
+              <a:t> </a:t>
             </a:r>
           </a:p>
           <a:p>
@@ -18694,7 +18769,7 @@
                 <a:latin typeface="Arial"/>
                 <a:cs typeface="Arial"/>
                 <a:sym typeface="Arial"/>
-                <a:hlinkClick r:id="rId4"/>
+                <a:hlinkClick r:id="rId5"/>
               </a:rPr>
               <a:t>https://docs.google.com/document/d/1NniHTBucMjE14uPBj_YinBE0XvPUgcGAKyVdQXLuJSk/edit?usp=sharing</a:t>
             </a:r>
@@ -18760,7 +18835,7 @@
                 </a:solidFill>
                 <a:effectLst/>
                 <a:latin typeface="Arial" panose="020B0604020202020204" pitchFamily="34" charset="0"/>
-                <a:hlinkClick r:id="rId5"/>
+                <a:hlinkClick r:id="rId6"/>
               </a:rPr>
               <a:t>https://www.overleaf.com/project/5c5b52583d92286beaad9930</a:t>
             </a:r>
@@ -18805,6 +18880,81 @@
               <a:buNone/>
             </a:pPr>
             <a:r>
+              <a:rPr lang="en-US" sz="1200" dirty="0">
+                <a:solidFill>
+                  <a:schemeClr val="bg2"/>
+                </a:solidFill>
+                <a:latin typeface="Arial"/>
+                <a:cs typeface="Arial"/>
+                <a:sym typeface="Arial"/>
+              </a:rPr>
+              <a:t>[5] LORENE’s ID database : </a:t>
+            </a:r>
+            <a:r>
+              <a:rPr lang="en-US" sz="1200" dirty="0">
+                <a:solidFill>
+                  <a:schemeClr val="bg2"/>
+                </a:solidFill>
+                <a:latin typeface="Arial"/>
+                <a:cs typeface="Arial"/>
+                <a:sym typeface="Arial"/>
+                <a:hlinkClick r:id="rId7"/>
+              </a:rPr>
+              <a:t>https://lorene.obspm.fr/data/</a:t>
+            </a:r>
+            <a:r>
+              <a:rPr lang="en-US" sz="1200" dirty="0">
+                <a:solidFill>
+                  <a:schemeClr val="bg2"/>
+                </a:solidFill>
+                <a:latin typeface="Arial"/>
+                <a:cs typeface="Arial"/>
+                <a:sym typeface="Arial"/>
+              </a:rPr>
+              <a:t> </a:t>
+            </a:r>
+            <a:r>
+              <a:rPr lang="en-US" sz="900" dirty="0">
+                <a:solidFill>
+                  <a:schemeClr val="bg2"/>
+                </a:solidFill>
+                <a:latin typeface="Arial"/>
+                <a:cs typeface="Arial"/>
+                <a:sym typeface="Arial"/>
+              </a:rPr>
+              <a:t>[The database may not open on your default browser.]</a:t>
+            </a:r>
+          </a:p>
+          <a:p>
+            <a:pPr marL="146050" indent="0" rtl="0">
+              <a:spcBef>
+                <a:spcPts val="0"/>
+              </a:spcBef>
+              <a:spcAft>
+                <a:spcPts val="0"/>
+              </a:spcAft>
+              <a:buNone/>
+            </a:pPr>
+            <a:endParaRPr lang="en-US" sz="1200" dirty="0">
+              <a:solidFill>
+                <a:schemeClr val="bg2"/>
+              </a:solidFill>
+              <a:latin typeface="Arial"/>
+              <a:cs typeface="Arial"/>
+              <a:sym typeface="Arial"/>
+            </a:endParaRPr>
+          </a:p>
+          <a:p>
+            <a:pPr marL="146050" indent="0" rtl="0">
+              <a:spcBef>
+                <a:spcPts val="0"/>
+              </a:spcBef>
+              <a:spcAft>
+                <a:spcPts val="0"/>
+              </a:spcAft>
+              <a:buNone/>
+            </a:pPr>
+            <a:r>
               <a:rPr lang="en-US" sz="1200" b="0" dirty="0">
                 <a:solidFill>
                   <a:schemeClr val="bg2"/>
@@ -18814,7 +18964,32 @@
                 <a:cs typeface="Arial"/>
                 <a:sym typeface="Arial"/>
               </a:rPr>
-              <a:t>[5] CCRG’s database of BNS ID https://ccrg.rit.edu/content/data/bns-initial-data</a:t>
+              <a:t>[6] CCRG’s database of BNS ID : </a:t>
+            </a:r>
+            <a:r>
+              <a:rPr lang="en-US" sz="1200" b="0" dirty="0">
+                <a:solidFill>
+                  <a:schemeClr val="bg2"/>
+                </a:solidFill>
+                <a:effectLst/>
+                <a:latin typeface="Arial"/>
+                <a:cs typeface="Arial"/>
+                <a:sym typeface="Arial"/>
+                <a:hlinkClick r:id="rId8"/>
+              </a:rPr>
+              <a:t>https://ccrg.rit.edu/content/data/bns-initial-data</a:t>
+            </a:r>
+            <a:r>
+              <a:rPr lang="en-US" sz="1200" b="0" dirty="0">
+                <a:solidFill>
+                  <a:schemeClr val="bg2"/>
+                </a:solidFill>
+                <a:effectLst/>
+                <a:latin typeface="Arial"/>
+                <a:cs typeface="Arial"/>
+                <a:sym typeface="Arial"/>
+              </a:rPr>
+              <a:t> </a:t>
             </a:r>
             <a:endParaRPr lang="en-US" sz="1200" b="0" dirty="0">
               <a:solidFill>
@@ -18913,6 +19088,914 @@
     <p:extLst>
       <p:ext uri="{BB962C8B-B14F-4D97-AF65-F5344CB8AC3E}">
         <p14:creationId xmlns:p14="http://schemas.microsoft.com/office/powerpoint/2010/main" val="1854328505"/>
+      </p:ext>
+    </p:extLst>
+  </p:cSld>
+  <p:clrMapOvr>
+    <a:masterClrMapping/>
+  </p:clrMapOvr>
+</p:sld>
+</file>
+
+<file path=ppt/slides/slide18.xml><?xml version="1.0" encoding="utf-8"?>
+<p:sld xmlns:a="http://schemas.openxmlformats.org/drawingml/2006/main" xmlns:r="http://schemas.openxmlformats.org/officeDocument/2006/relationships" xmlns:p="http://schemas.openxmlformats.org/presentationml/2006/main">
+  <p:cSld>
+    <p:spTree>
+      <p:nvGrpSpPr>
+        <p:cNvPr id="1" name=""/>
+        <p:cNvGrpSpPr/>
+        <p:nvPr/>
+      </p:nvGrpSpPr>
+      <p:grpSpPr>
+        <a:xfrm>
+          <a:off x="0" y="0"/>
+          <a:ext cx="0" cy="0"/>
+          <a:chOff x="0" y="0"/>
+          <a:chExt cx="0" cy="0"/>
+        </a:xfrm>
+      </p:grpSpPr>
+      <p:sp>
+        <p:nvSpPr>
+          <p:cNvPr id="2" name="Title 1">
+            <a:extLst>
+              <a:ext uri="{FF2B5EF4-FFF2-40B4-BE49-F238E27FC236}">
+                <a16:creationId xmlns:a16="http://schemas.microsoft.com/office/drawing/2014/main" id="{6DD0A51A-A7B9-4625-8641-A401E6275896}"/>
+              </a:ext>
+            </a:extLst>
+          </p:cNvPr>
+          <p:cNvSpPr>
+            <a:spLocks noGrp="1"/>
+          </p:cNvSpPr>
+          <p:nvPr>
+            <p:ph type="title"/>
+          </p:nvPr>
+        </p:nvSpPr>
+        <p:spPr>
+          <a:xfrm>
+            <a:off x="727650" y="419568"/>
+            <a:ext cx="7688700" cy="535200"/>
+          </a:xfrm>
+        </p:spPr>
+        <p:txBody>
+          <a:bodyPr/>
+          <a:lstStyle/>
+          <a:p>
+            <a:pPr algn="ctr"/>
+            <a:r>
+              <a:rPr lang="en-US" sz="1800" dirty="0"/>
+              <a:t>Codes to run on the server</a:t>
+            </a:r>
+          </a:p>
+        </p:txBody>
+      </p:sp>
+      <p:sp>
+        <p:nvSpPr>
+          <p:cNvPr id="4" name="Slide Number Placeholder 3">
+            <a:extLst>
+              <a:ext uri="{FF2B5EF4-FFF2-40B4-BE49-F238E27FC236}">
+                <a16:creationId xmlns:a16="http://schemas.microsoft.com/office/drawing/2014/main" id="{47A6E180-CE5D-4709-968F-DAFBD96410E2}"/>
+              </a:ext>
+            </a:extLst>
+          </p:cNvPr>
+          <p:cNvSpPr>
+            <a:spLocks noGrp="1"/>
+          </p:cNvSpPr>
+          <p:nvPr>
+            <p:ph type="sldNum" idx="12"/>
+          </p:nvPr>
+        </p:nvSpPr>
+        <p:spPr/>
+        <p:txBody>
+          <a:bodyPr/>
+          <a:lstStyle/>
+          <a:p>
+            <a:pPr marL="0" lvl="0" indent="0" algn="r" rtl="0">
+              <a:spcBef>
+                <a:spcPts val="0"/>
+              </a:spcBef>
+              <a:spcAft>
+                <a:spcPts val="0"/>
+              </a:spcAft>
+              <a:buNone/>
+            </a:pPr>
+            <a:fld id="{00000000-1234-1234-1234-123412341234}" type="slidenum">
+              <a:rPr lang="en" smtClean="0"/>
+              <a:t>18</a:t>
+            </a:fld>
+            <a:endParaRPr lang="en"/>
+          </a:p>
+        </p:txBody>
+      </p:sp>
+      <p:sp>
+        <p:nvSpPr>
+          <p:cNvPr id="5" name="Rectangle 1">
+            <a:extLst>
+              <a:ext uri="{FF2B5EF4-FFF2-40B4-BE49-F238E27FC236}">
+                <a16:creationId xmlns:a16="http://schemas.microsoft.com/office/drawing/2014/main" id="{3C56D5C7-86BD-4045-90D2-6A5AECCACBF4}"/>
+              </a:ext>
+            </a:extLst>
+          </p:cNvPr>
+          <p:cNvSpPr>
+            <a:spLocks noGrp="1" noChangeArrowheads="1"/>
+          </p:cNvSpPr>
+          <p:nvPr>
+            <p:ph type="body" idx="1"/>
+          </p:nvPr>
+        </p:nvSpPr>
+        <p:spPr bwMode="auto">
+          <a:xfrm>
+            <a:off x="727650" y="954768"/>
+            <a:ext cx="7893836" cy="3662541"/>
+          </a:xfrm>
+          <a:prstGeom prst="rect">
+            <a:avLst/>
+          </a:prstGeom>
+          <a:solidFill>
+            <a:srgbClr val="FDFDFD"/>
+          </a:solidFill>
+          <a:ln>
+            <a:noFill/>
+          </a:ln>
+          <a:effectLst/>
+          <a:extLst>
+            <a:ext uri="{91240B29-F687-4F45-9708-019B960494DF}">
+              <a14:hiddenLine xmlns:a14="http://schemas.microsoft.com/office/drawing/2010/main" w="9525">
+                <a:solidFill>
+                  <a:schemeClr val="tx1"/>
+                </a:solidFill>
+                <a:miter lim="800000"/>
+                <a:headEnd/>
+                <a:tailEnd/>
+              </a14:hiddenLine>
+            </a:ext>
+            <a:ext uri="{AF507438-7753-43E0-B8FC-AC1667EBCBE1}">
+              <a14:hiddenEffects xmlns:a14="http://schemas.microsoft.com/office/drawing/2010/main">
+                <a:effectLst>
+                  <a:outerShdw dist="35921" dir="2700000" algn="ctr" rotWithShape="0">
+                    <a:schemeClr val="bg2"/>
+                  </a:outerShdw>
+                </a:effectLst>
+              </a14:hiddenEffects>
+            </a:ext>
+          </a:extLst>
+        </p:spPr>
+        <p:txBody>
+          <a:bodyPr vert="horz" wrap="square" lIns="0" tIns="0" rIns="0" bIns="0" numCol="1" anchor="t" anchorCtr="0" compatLnSpc="1">
+            <a:prstTxWarp prst="textNoShape">
+              <a:avLst/>
+            </a:prstTxWarp>
+            <a:spAutoFit/>
+          </a:bodyPr>
+          <a:lstStyle/>
+          <a:p>
+            <a:pPr marL="0" marR="0" lvl="0" indent="0" algn="l" defTabSz="914400" rtl="0" eaLnBrk="0" fontAlgn="t" latinLnBrk="0" hangingPunct="0">
+              <a:lnSpc>
+                <a:spcPct val="100000"/>
+              </a:lnSpc>
+              <a:spcBef>
+                <a:spcPct val="0"/>
+              </a:spcBef>
+              <a:spcAft>
+                <a:spcPct val="0"/>
+              </a:spcAft>
+              <a:buClrTx/>
+              <a:buSzTx/>
+              <a:buFontTx/>
+              <a:buNone/>
+              <a:tabLst/>
+            </a:pPr>
+            <a:r>
+              <a:rPr kumimoji="0" lang="en-US" altLang="en-US" sz="1400" b="0" i="0" u="none" strike="noStrike" cap="none" normalizeH="0" baseline="0" dirty="0">
+                <a:ln>
+                  <a:noFill/>
+                </a:ln>
+                <a:solidFill>
+                  <a:srgbClr val="000000"/>
+                </a:solidFill>
+                <a:effectLst/>
+                <a:latin typeface="+mj-lt"/>
+              </a:rPr>
+              <a:t>Open the terminal and enter this to extract Lorene:</a:t>
+            </a:r>
+            <a:r>
+              <a:rPr lang="en-US" altLang="en-US" sz="1400" dirty="0">
+                <a:latin typeface="+mj-lt"/>
+              </a:rPr>
+              <a:t> 	&gt; </a:t>
+            </a:r>
+            <a:r>
+              <a:rPr kumimoji="0" lang="en-US" altLang="en-US" sz="1400" b="0" i="0" u="none" strike="noStrike" cap="none" normalizeH="0" baseline="0" dirty="0">
+                <a:ln>
+                  <a:noFill/>
+                </a:ln>
+                <a:solidFill>
+                  <a:srgbClr val="000000"/>
+                </a:solidFill>
+                <a:effectLst/>
+                <a:latin typeface="+mj-lt"/>
+              </a:rPr>
+              <a:t>tar -</a:t>
+            </a:r>
+            <a:r>
+              <a:rPr kumimoji="0" lang="en-US" altLang="en-US" sz="1400" b="0" i="0" u="none" strike="noStrike" cap="none" normalizeH="0" baseline="0" dirty="0" err="1">
+                <a:ln>
+                  <a:noFill/>
+                </a:ln>
+                <a:solidFill>
+                  <a:srgbClr val="000000"/>
+                </a:solidFill>
+                <a:effectLst/>
+                <a:latin typeface="+mj-lt"/>
+              </a:rPr>
+              <a:t>xvf</a:t>
+            </a:r>
+            <a:r>
+              <a:rPr kumimoji="0" lang="en-US" altLang="en-US" sz="1400" b="0" i="0" u="none" strike="noStrike" cap="none" normalizeH="0" baseline="0" dirty="0">
+                <a:ln>
+                  <a:noFill/>
+                </a:ln>
+                <a:solidFill>
+                  <a:srgbClr val="000000"/>
+                </a:solidFill>
+                <a:effectLst/>
+                <a:latin typeface="+mj-lt"/>
+              </a:rPr>
+              <a:t> Lorene.tar.gz</a:t>
+            </a:r>
+            <a:br>
+              <a:rPr kumimoji="0" lang="en-US" altLang="en-US" sz="1400" b="0" i="0" u="none" strike="noStrike" cap="none" normalizeH="0" baseline="0" dirty="0">
+                <a:ln>
+                  <a:noFill/>
+                </a:ln>
+                <a:solidFill>
+                  <a:srgbClr val="000000"/>
+                </a:solidFill>
+                <a:effectLst/>
+                <a:latin typeface="+mj-lt"/>
+              </a:rPr>
+            </a:br>
+            <a:r>
+              <a:rPr kumimoji="0" lang="en-US" altLang="en-US" sz="1400" b="0" i="0" u="none" strike="noStrike" cap="none" normalizeH="0" baseline="0" dirty="0">
+                <a:ln>
+                  <a:noFill/>
+                </a:ln>
+                <a:solidFill>
+                  <a:srgbClr val="000000"/>
+                </a:solidFill>
+                <a:effectLst/>
+                <a:latin typeface="+mj-lt"/>
+              </a:rPr>
+              <a:t>Then change directory :			&gt; cd Lorene/Codes/</a:t>
+            </a:r>
+            <a:r>
+              <a:rPr kumimoji="0" lang="en-US" altLang="en-US" sz="1400" b="0" i="0" u="none" strike="noStrike" cap="none" normalizeH="0" baseline="0" dirty="0" err="1">
+                <a:ln>
+                  <a:noFill/>
+                </a:ln>
+                <a:solidFill>
+                  <a:srgbClr val="000000"/>
+                </a:solidFill>
+                <a:effectLst/>
+                <a:latin typeface="+mj-lt"/>
+              </a:rPr>
+              <a:t>Bin_star</a:t>
+            </a:r>
+            <a:r>
+              <a:rPr kumimoji="0" lang="en-US" altLang="en-US" sz="1400" b="0" i="0" u="none" strike="noStrike" cap="none" normalizeH="0" baseline="0" dirty="0">
+                <a:ln>
+                  <a:noFill/>
+                </a:ln>
+                <a:solidFill>
+                  <a:srgbClr val="000000"/>
+                </a:solidFill>
+                <a:effectLst/>
+                <a:latin typeface="+mj-lt"/>
+              </a:rPr>
+              <a:t>/</a:t>
+            </a:r>
+          </a:p>
+          <a:p>
+            <a:pPr marL="0" marR="0" lvl="0" indent="0" algn="l" defTabSz="914400" rtl="0" eaLnBrk="0" fontAlgn="t" latinLnBrk="0" hangingPunct="0">
+              <a:lnSpc>
+                <a:spcPct val="100000"/>
+              </a:lnSpc>
+              <a:spcBef>
+                <a:spcPct val="0"/>
+              </a:spcBef>
+              <a:spcAft>
+                <a:spcPct val="0"/>
+              </a:spcAft>
+              <a:buClrTx/>
+              <a:buSzTx/>
+              <a:buFontTx/>
+              <a:buNone/>
+              <a:tabLst/>
+            </a:pPr>
+            <a:endParaRPr kumimoji="0" lang="en-US" altLang="en-US" sz="1400" b="0" i="0" u="none" strike="noStrike" cap="none" normalizeH="0" baseline="0" dirty="0">
+              <a:ln>
+                <a:noFill/>
+              </a:ln>
+              <a:solidFill>
+                <a:srgbClr val="000000"/>
+              </a:solidFill>
+              <a:effectLst/>
+              <a:latin typeface="+mj-lt"/>
+            </a:endParaRPr>
+          </a:p>
+          <a:p>
+            <a:pPr marL="0" marR="0" lvl="0" indent="0" algn="l" defTabSz="914400" rtl="0" eaLnBrk="0" fontAlgn="t" latinLnBrk="0" hangingPunct="0">
+              <a:lnSpc>
+                <a:spcPct val="100000"/>
+              </a:lnSpc>
+              <a:spcBef>
+                <a:spcPct val="0"/>
+              </a:spcBef>
+              <a:spcAft>
+                <a:spcPct val="0"/>
+              </a:spcAft>
+              <a:buClrTx/>
+              <a:buSzTx/>
+              <a:buFontTx/>
+              <a:buNone/>
+              <a:tabLst/>
+            </a:pPr>
+            <a:r>
+              <a:rPr kumimoji="0" lang="en-US" altLang="en-US" sz="1400" b="0" i="0" u="none" strike="noStrike" cap="none" normalizeH="0" baseline="0" dirty="0">
+                <a:ln>
+                  <a:noFill/>
+                </a:ln>
+                <a:solidFill>
+                  <a:srgbClr val="000000"/>
+                </a:solidFill>
+                <a:effectLst/>
+                <a:latin typeface="+mj-lt"/>
+              </a:rPr>
+              <a:t>Then copy the following files from </a:t>
+            </a:r>
+            <a:r>
+              <a:rPr kumimoji="0" lang="en-US" altLang="en-US" sz="1400" b="0" i="0" u="none" strike="noStrike" cap="none" normalizeH="0" baseline="0" dirty="0" err="1">
+                <a:ln>
+                  <a:noFill/>
+                </a:ln>
+                <a:solidFill>
+                  <a:srgbClr val="000000"/>
+                </a:solidFill>
+                <a:effectLst/>
+                <a:latin typeface="+mj-lt"/>
+              </a:rPr>
+              <a:t>Bin_star</a:t>
+            </a:r>
+            <a:r>
+              <a:rPr kumimoji="0" lang="en-US" altLang="en-US" sz="1400" b="0" i="0" u="none" strike="noStrike" cap="none" normalizeH="0" baseline="0" dirty="0">
+                <a:ln>
+                  <a:noFill/>
+                </a:ln>
+                <a:solidFill>
+                  <a:srgbClr val="000000"/>
+                </a:solidFill>
+                <a:effectLst/>
+                <a:latin typeface="+mj-lt"/>
+              </a:rPr>
+              <a:t>/ET_workshop_2021 directory to </a:t>
+            </a:r>
+            <a:r>
+              <a:rPr kumimoji="0" lang="en-US" altLang="en-US" sz="1400" b="0" i="0" u="none" strike="noStrike" cap="none" normalizeH="0" baseline="0" dirty="0" err="1">
+                <a:ln>
+                  <a:noFill/>
+                </a:ln>
+                <a:solidFill>
+                  <a:srgbClr val="000000"/>
+                </a:solidFill>
+                <a:effectLst/>
+                <a:latin typeface="+mj-lt"/>
+              </a:rPr>
+              <a:t>Bin_star</a:t>
+            </a:r>
+            <a:r>
+              <a:rPr kumimoji="0" lang="en-US" altLang="en-US" sz="1400" b="0" i="0" u="none" strike="noStrike" cap="none" normalizeH="0" baseline="0" dirty="0">
+                <a:ln>
+                  <a:noFill/>
+                </a:ln>
+                <a:solidFill>
+                  <a:srgbClr val="000000"/>
+                </a:solidFill>
+                <a:effectLst/>
+                <a:latin typeface="+mj-lt"/>
+              </a:rPr>
+              <a:t> directory</a:t>
+            </a:r>
+            <a:br>
+              <a:rPr kumimoji="0" lang="en-US" altLang="en-US" sz="1400" b="0" i="0" u="none" strike="noStrike" cap="none" normalizeH="0" baseline="0" dirty="0">
+                <a:ln>
+                  <a:noFill/>
+                </a:ln>
+                <a:solidFill>
+                  <a:srgbClr val="000000"/>
+                </a:solidFill>
+                <a:effectLst/>
+                <a:latin typeface="+mj-lt"/>
+              </a:rPr>
+            </a:br>
+            <a:r>
+              <a:rPr kumimoji="0" lang="en-US" altLang="en-US" sz="1400" b="0" i="0" u="none" strike="noStrike" cap="none" normalizeH="0" baseline="0" dirty="0">
+                <a:ln>
+                  <a:noFill/>
+                </a:ln>
+                <a:solidFill>
+                  <a:srgbClr val="000000"/>
+                </a:solidFill>
+                <a:effectLst/>
+                <a:latin typeface="+mj-lt"/>
+              </a:rPr>
+              <a:t>par_eos_4_piecewise.d as par_eos1.d, par_eos2.d</a:t>
+            </a:r>
+            <a:br>
+              <a:rPr kumimoji="0" lang="en-US" altLang="en-US" sz="1400" b="0" i="0" u="none" strike="noStrike" cap="none" normalizeH="0" baseline="0" dirty="0">
+                <a:ln>
+                  <a:noFill/>
+                </a:ln>
+                <a:solidFill>
+                  <a:srgbClr val="000000"/>
+                </a:solidFill>
+                <a:effectLst/>
+                <a:latin typeface="+mj-lt"/>
+              </a:rPr>
+            </a:br>
+            <a:r>
+              <a:rPr kumimoji="0" lang="en-US" altLang="en-US" sz="1400" b="0" i="0" u="none" strike="noStrike" cap="none" normalizeH="0" baseline="0" dirty="0">
+                <a:ln>
+                  <a:noFill/>
+                </a:ln>
+                <a:solidFill>
+                  <a:srgbClr val="000000"/>
+                </a:solidFill>
+                <a:effectLst/>
+                <a:latin typeface="+mj-lt"/>
+              </a:rPr>
+              <a:t>par_grid1.d as par_grid1.d and par_grid2.d</a:t>
+            </a:r>
+            <a:br>
+              <a:rPr kumimoji="0" lang="en-US" altLang="en-US" sz="1400" b="0" i="0" u="none" strike="noStrike" cap="none" normalizeH="0" baseline="0" dirty="0">
+                <a:ln>
+                  <a:noFill/>
+                </a:ln>
+                <a:solidFill>
+                  <a:srgbClr val="000000"/>
+                </a:solidFill>
+                <a:effectLst/>
+                <a:latin typeface="+mj-lt"/>
+              </a:rPr>
+            </a:br>
+            <a:r>
+              <a:rPr kumimoji="0" lang="en-US" altLang="en-US" sz="1400" b="0" i="0" u="none" strike="noStrike" cap="none" normalizeH="0" baseline="0" dirty="0" err="1">
+                <a:ln>
+                  <a:noFill/>
+                </a:ln>
+                <a:solidFill>
+                  <a:srgbClr val="000000"/>
+                </a:solidFill>
+                <a:effectLst/>
+                <a:latin typeface="+mj-lt"/>
+              </a:rPr>
+              <a:t>par_init_ETK.d</a:t>
+            </a:r>
+            <a:r>
+              <a:rPr kumimoji="0" lang="en-US" altLang="en-US" sz="1400" b="0" i="0" u="none" strike="noStrike" cap="none" normalizeH="0" baseline="0" dirty="0">
+                <a:ln>
+                  <a:noFill/>
+                </a:ln>
+                <a:solidFill>
+                  <a:srgbClr val="000000"/>
+                </a:solidFill>
+                <a:effectLst/>
+                <a:latin typeface="+mj-lt"/>
+              </a:rPr>
+              <a:t> as </a:t>
+            </a:r>
+            <a:r>
+              <a:rPr kumimoji="0" lang="en-US" altLang="en-US" sz="1400" b="0" i="0" u="none" strike="noStrike" cap="none" normalizeH="0" baseline="0" dirty="0" err="1">
+                <a:ln>
+                  <a:noFill/>
+                </a:ln>
+                <a:solidFill>
+                  <a:srgbClr val="000000"/>
+                </a:solidFill>
+                <a:effectLst/>
+                <a:latin typeface="+mj-lt"/>
+              </a:rPr>
+              <a:t>par_init.d</a:t>
+            </a:r>
+            <a:br>
+              <a:rPr kumimoji="0" lang="en-US" altLang="en-US" sz="1400" b="0" i="0" u="none" strike="noStrike" cap="none" normalizeH="0" baseline="0" dirty="0">
+                <a:ln>
+                  <a:noFill/>
+                </a:ln>
+                <a:solidFill>
+                  <a:srgbClr val="000000"/>
+                </a:solidFill>
+                <a:effectLst/>
+                <a:latin typeface="+mj-lt"/>
+              </a:rPr>
+            </a:br>
+            <a:r>
+              <a:rPr kumimoji="0" lang="en-US" altLang="en-US" sz="1400" b="0" i="0" u="none" strike="noStrike" cap="none" normalizeH="0" baseline="0" dirty="0" err="1">
+                <a:ln>
+                  <a:noFill/>
+                </a:ln>
+                <a:solidFill>
+                  <a:srgbClr val="000000"/>
+                </a:solidFill>
+                <a:effectLst/>
+                <a:latin typeface="+mj-lt"/>
+              </a:rPr>
+              <a:t>parcoal_ETK.d</a:t>
+            </a:r>
+            <a:r>
+              <a:rPr kumimoji="0" lang="en-US" altLang="en-US" sz="1400" b="0" i="0" u="none" strike="noStrike" cap="none" normalizeH="0" baseline="0" dirty="0">
+                <a:ln>
+                  <a:noFill/>
+                </a:ln>
+                <a:solidFill>
+                  <a:srgbClr val="000000"/>
+                </a:solidFill>
+                <a:effectLst/>
+                <a:latin typeface="+mj-lt"/>
+              </a:rPr>
+              <a:t> as </a:t>
+            </a:r>
+            <a:r>
+              <a:rPr kumimoji="0" lang="en-US" altLang="en-US" sz="1400" b="0" i="0" u="none" strike="noStrike" cap="none" normalizeH="0" baseline="0" dirty="0" err="1">
+                <a:ln>
+                  <a:noFill/>
+                </a:ln>
+                <a:solidFill>
+                  <a:srgbClr val="000000"/>
+                </a:solidFill>
+                <a:effectLst/>
+                <a:latin typeface="+mj-lt"/>
+              </a:rPr>
+              <a:t>parcoal.d</a:t>
+            </a:r>
+            <a:endParaRPr kumimoji="0" lang="en-US" altLang="en-US" sz="1400" b="0" i="0" u="none" strike="noStrike" cap="none" normalizeH="0" baseline="0" dirty="0">
+              <a:ln>
+                <a:noFill/>
+              </a:ln>
+              <a:solidFill>
+                <a:srgbClr val="000000"/>
+              </a:solidFill>
+              <a:effectLst/>
+              <a:latin typeface="+mj-lt"/>
+            </a:endParaRPr>
+          </a:p>
+          <a:p>
+            <a:pPr marL="0" marR="0" lvl="0" indent="0" algn="l" defTabSz="914400" rtl="0" eaLnBrk="0" fontAlgn="t" latinLnBrk="0" hangingPunct="0">
+              <a:lnSpc>
+                <a:spcPct val="100000"/>
+              </a:lnSpc>
+              <a:spcBef>
+                <a:spcPct val="0"/>
+              </a:spcBef>
+              <a:spcAft>
+                <a:spcPct val="0"/>
+              </a:spcAft>
+              <a:buClrTx/>
+              <a:buSzTx/>
+              <a:buFontTx/>
+              <a:buNone/>
+              <a:tabLst/>
+            </a:pPr>
+            <a:r>
+              <a:rPr kumimoji="0" lang="en-US" altLang="en-US" sz="1400" b="0" i="0" u="none" strike="noStrike" cap="none" normalizeH="0" baseline="0" dirty="0">
+                <a:ln>
+                  <a:noFill/>
+                </a:ln>
+                <a:solidFill>
+                  <a:srgbClr val="000000"/>
+                </a:solidFill>
+                <a:effectLst/>
+                <a:latin typeface="+mj-lt"/>
+              </a:rPr>
+              <a:t>By using commands like:</a:t>
+            </a:r>
+            <a:r>
+              <a:rPr lang="en-US" altLang="en-US" sz="1400" dirty="0">
+                <a:latin typeface="+mj-lt"/>
+              </a:rPr>
+              <a:t> 	&gt; </a:t>
+            </a:r>
+            <a:r>
+              <a:rPr kumimoji="0" lang="en-US" altLang="en-US" sz="1400" b="0" i="0" u="none" strike="noStrike" cap="none" normalizeH="0" baseline="0" dirty="0">
+                <a:ln>
+                  <a:noFill/>
+                </a:ln>
+                <a:solidFill>
+                  <a:srgbClr val="000000"/>
+                </a:solidFill>
+                <a:effectLst/>
+                <a:latin typeface="+mj-lt"/>
+              </a:rPr>
+              <a:t>cp ET_workshop_2021/par_eos_4_piecewise.d par_eos1.d</a:t>
+            </a:r>
+            <a:br>
+              <a:rPr kumimoji="0" lang="en-US" altLang="en-US" sz="1400" b="0" i="0" u="none" strike="noStrike" cap="none" normalizeH="0" baseline="0" dirty="0">
+                <a:ln>
+                  <a:noFill/>
+                </a:ln>
+                <a:solidFill>
+                  <a:srgbClr val="000000"/>
+                </a:solidFill>
+                <a:effectLst/>
+                <a:latin typeface="+mj-lt"/>
+              </a:rPr>
+            </a:br>
+            <a:r>
+              <a:rPr kumimoji="0" lang="en-US" altLang="en-US" sz="1400" b="0" i="0" u="none" strike="noStrike" cap="none" normalizeH="0" baseline="0" dirty="0">
+                <a:ln>
+                  <a:noFill/>
+                </a:ln>
+                <a:solidFill>
+                  <a:srgbClr val="000000"/>
+                </a:solidFill>
+                <a:effectLst/>
+                <a:latin typeface="+mj-lt"/>
+              </a:rPr>
+              <a:t>and so on;</a:t>
+            </a:r>
+          </a:p>
+          <a:p>
+            <a:pPr marL="0" marR="0" lvl="0" indent="0" algn="l" defTabSz="914400" rtl="0" eaLnBrk="0" fontAlgn="t" latinLnBrk="0" hangingPunct="0">
+              <a:lnSpc>
+                <a:spcPct val="100000"/>
+              </a:lnSpc>
+              <a:spcBef>
+                <a:spcPct val="0"/>
+              </a:spcBef>
+              <a:spcAft>
+                <a:spcPct val="0"/>
+              </a:spcAft>
+              <a:buClrTx/>
+              <a:buSzTx/>
+              <a:buFontTx/>
+              <a:buNone/>
+              <a:tabLst/>
+            </a:pPr>
+            <a:endParaRPr kumimoji="0" lang="en-US" altLang="en-US" sz="1400" b="0" i="0" u="none" strike="noStrike" cap="none" normalizeH="0" baseline="0" dirty="0">
+              <a:ln>
+                <a:noFill/>
+              </a:ln>
+              <a:solidFill>
+                <a:srgbClr val="000000"/>
+              </a:solidFill>
+              <a:effectLst/>
+              <a:latin typeface="+mj-lt"/>
+            </a:endParaRPr>
+          </a:p>
+          <a:p>
+            <a:pPr marL="0" marR="0" lvl="0" indent="0" algn="l" defTabSz="914400" rtl="0" eaLnBrk="0" fontAlgn="t" latinLnBrk="0" hangingPunct="0">
+              <a:lnSpc>
+                <a:spcPct val="100000"/>
+              </a:lnSpc>
+              <a:spcBef>
+                <a:spcPct val="0"/>
+              </a:spcBef>
+              <a:spcAft>
+                <a:spcPct val="0"/>
+              </a:spcAft>
+              <a:buClrTx/>
+              <a:buSzTx/>
+              <a:buFontTx/>
+              <a:buNone/>
+              <a:tabLst/>
+            </a:pPr>
+            <a:r>
+              <a:rPr kumimoji="0" lang="en-US" altLang="en-US" sz="1400" b="0" i="0" u="none" strike="noStrike" cap="none" normalizeH="0" baseline="0" dirty="0">
+                <a:ln>
+                  <a:noFill/>
+                </a:ln>
+                <a:solidFill>
+                  <a:srgbClr val="000000"/>
+                </a:solidFill>
+                <a:effectLst/>
+                <a:latin typeface="+mj-lt"/>
+              </a:rPr>
+              <a:t>Then run 				&gt; ./</a:t>
+            </a:r>
+            <a:r>
+              <a:rPr kumimoji="0" lang="en-US" altLang="en-US" sz="1400" b="0" i="0" u="none" strike="noStrike" cap="none" normalizeH="0" baseline="0" dirty="0" err="1">
+                <a:ln>
+                  <a:noFill/>
+                </a:ln>
+                <a:solidFill>
+                  <a:srgbClr val="000000"/>
+                </a:solidFill>
+                <a:effectLst/>
+                <a:latin typeface="+mj-lt"/>
+              </a:rPr>
+              <a:t>init_bin</a:t>
+            </a:r>
+            <a:br>
+              <a:rPr kumimoji="0" lang="en-US" altLang="en-US" sz="1400" b="0" i="0" u="none" strike="noStrike" cap="none" normalizeH="0" baseline="0" dirty="0">
+                <a:ln>
+                  <a:noFill/>
+                </a:ln>
+                <a:solidFill>
+                  <a:srgbClr val="000000"/>
+                </a:solidFill>
+                <a:effectLst/>
+                <a:latin typeface="+mj-lt"/>
+              </a:rPr>
+            </a:br>
+            <a:r>
+              <a:rPr kumimoji="0" lang="en-US" altLang="en-US" sz="1400" b="0" i="0" u="none" strike="noStrike" cap="none" normalizeH="0" baseline="0" dirty="0">
+                <a:ln>
+                  <a:noFill/>
+                </a:ln>
+                <a:solidFill>
+                  <a:srgbClr val="000000"/>
+                </a:solidFill>
+                <a:effectLst/>
+                <a:latin typeface="+mj-lt"/>
+              </a:rPr>
+              <a:t>Takes a few seconds</a:t>
+            </a:r>
+            <a:br>
+              <a:rPr kumimoji="0" lang="en-US" altLang="en-US" sz="1400" b="0" i="0" u="none" strike="noStrike" cap="none" normalizeH="0" baseline="0" dirty="0">
+                <a:ln>
+                  <a:noFill/>
+                </a:ln>
+                <a:solidFill>
+                  <a:srgbClr val="000000"/>
+                </a:solidFill>
+                <a:effectLst/>
+                <a:latin typeface="+mj-lt"/>
+              </a:rPr>
+            </a:br>
+            <a:r>
+              <a:rPr kumimoji="0" lang="en-US" altLang="en-US" sz="1400" b="0" i="0" u="none" strike="noStrike" cap="none" normalizeH="0" baseline="0" dirty="0">
+                <a:ln>
+                  <a:noFill/>
+                </a:ln>
+                <a:solidFill>
+                  <a:srgbClr val="000000"/>
+                </a:solidFill>
+                <a:effectLst/>
+                <a:latin typeface="+mj-lt"/>
+              </a:rPr>
+              <a:t>then				&gt;</a:t>
+            </a:r>
+            <a:r>
+              <a:rPr kumimoji="0" lang="en-US" altLang="en-US" sz="1400" b="0" i="0" u="none" strike="noStrike" cap="none" normalizeH="0" dirty="0">
+                <a:ln>
+                  <a:noFill/>
+                </a:ln>
+                <a:solidFill>
+                  <a:srgbClr val="000000"/>
+                </a:solidFill>
+                <a:effectLst/>
+                <a:latin typeface="+mj-lt"/>
+              </a:rPr>
+              <a:t> </a:t>
+            </a:r>
+            <a:r>
+              <a:rPr kumimoji="0" lang="en-US" altLang="en-US" sz="1400" b="0" i="0" u="none" strike="noStrike" cap="none" normalizeH="0" baseline="0" dirty="0">
+                <a:ln>
+                  <a:noFill/>
+                </a:ln>
+                <a:solidFill>
+                  <a:srgbClr val="000000"/>
+                </a:solidFill>
+                <a:effectLst/>
+                <a:latin typeface="+mj-lt"/>
+              </a:rPr>
+              <a:t>./coal</a:t>
+            </a:r>
+            <a:br>
+              <a:rPr kumimoji="0" lang="en-US" altLang="en-US" sz="1400" b="0" i="0" u="none" strike="noStrike" cap="none" normalizeH="0" baseline="0" dirty="0">
+                <a:ln>
+                  <a:noFill/>
+                </a:ln>
+                <a:solidFill>
+                  <a:srgbClr val="000000"/>
+                </a:solidFill>
+                <a:effectLst/>
+                <a:latin typeface="+mj-lt"/>
+              </a:rPr>
+            </a:br>
+            <a:r>
+              <a:rPr kumimoji="0" lang="en-US" altLang="en-US" sz="1400" b="0" i="0" u="none" strike="noStrike" cap="none" normalizeH="0" baseline="0" dirty="0">
+                <a:ln>
+                  <a:noFill/>
+                </a:ln>
+                <a:solidFill>
+                  <a:srgbClr val="000000"/>
+                </a:solidFill>
+                <a:effectLst/>
+                <a:latin typeface="+mj-lt"/>
+              </a:rPr>
+              <a:t>takes about a minute.</a:t>
+            </a:r>
+          </a:p>
+          <a:p>
+            <a:pPr marL="0" marR="0" lvl="0" indent="0" algn="l" defTabSz="914400" rtl="0" eaLnBrk="0" fontAlgn="t" latinLnBrk="0" hangingPunct="0">
+              <a:lnSpc>
+                <a:spcPct val="100000"/>
+              </a:lnSpc>
+              <a:spcBef>
+                <a:spcPct val="0"/>
+              </a:spcBef>
+              <a:spcAft>
+                <a:spcPct val="0"/>
+              </a:spcAft>
+              <a:buClrTx/>
+              <a:buSzTx/>
+              <a:buFontTx/>
+              <a:buNone/>
+              <a:tabLst/>
+            </a:pPr>
+            <a:endParaRPr kumimoji="0" lang="en-US" altLang="en-US" sz="1400" b="0" i="0" u="none" strike="noStrike" cap="none" normalizeH="0" baseline="0" dirty="0">
+              <a:ln>
+                <a:noFill/>
+              </a:ln>
+              <a:solidFill>
+                <a:srgbClr val="000000"/>
+              </a:solidFill>
+              <a:effectLst/>
+              <a:latin typeface="+mj-lt"/>
+            </a:endParaRPr>
+          </a:p>
+          <a:p>
+            <a:pPr marL="0" marR="0" lvl="0" indent="0" algn="l" defTabSz="914400" rtl="0" eaLnBrk="0" fontAlgn="t" latinLnBrk="0" hangingPunct="0">
+              <a:lnSpc>
+                <a:spcPct val="100000"/>
+              </a:lnSpc>
+              <a:spcBef>
+                <a:spcPct val="0"/>
+              </a:spcBef>
+              <a:spcAft>
+                <a:spcPct val="0"/>
+              </a:spcAft>
+              <a:buClrTx/>
+              <a:buSzTx/>
+              <a:buFontTx/>
+              <a:buNone/>
+              <a:tabLst/>
+            </a:pPr>
+            <a:r>
+              <a:rPr kumimoji="0" lang="en-US" altLang="en-US" sz="1400" b="0" i="0" u="none" strike="noStrike" cap="none" normalizeH="0" baseline="0" dirty="0">
+                <a:ln>
+                  <a:noFill/>
+                </a:ln>
+                <a:solidFill>
+                  <a:srgbClr val="000000"/>
+                </a:solidFill>
+                <a:effectLst/>
+                <a:latin typeface="+mj-lt"/>
+              </a:rPr>
+              <a:t>The final file named "</a:t>
+            </a:r>
+            <a:r>
+              <a:rPr kumimoji="0" lang="en-US" altLang="en-US" sz="1400" b="0" i="0" u="none" strike="noStrike" cap="none" normalizeH="0" baseline="0" dirty="0" err="1">
+                <a:ln>
+                  <a:noFill/>
+                </a:ln>
+                <a:solidFill>
+                  <a:srgbClr val="000000"/>
+                </a:solidFill>
+                <a:effectLst/>
+                <a:latin typeface="+mj-lt"/>
+              </a:rPr>
+              <a:t>resu.d</a:t>
+            </a:r>
+            <a:r>
+              <a:rPr kumimoji="0" lang="en-US" altLang="en-US" sz="1400" b="0" i="0" u="none" strike="noStrike" cap="none" normalizeH="0" baseline="0" dirty="0">
+                <a:ln>
+                  <a:noFill/>
+                </a:ln>
+                <a:solidFill>
+                  <a:srgbClr val="000000"/>
+                </a:solidFill>
+                <a:effectLst/>
+                <a:latin typeface="+mj-lt"/>
+              </a:rPr>
+              <a:t>" is the Initial Data.</a:t>
+            </a:r>
+            <a:endParaRPr kumimoji="0" lang="en-US" altLang="en-US" sz="1400" b="0" i="0" u="none" strike="noStrike" cap="none" normalizeH="0" baseline="0" dirty="0">
+              <a:ln>
+                <a:noFill/>
+              </a:ln>
+              <a:solidFill>
+                <a:schemeClr val="tx1"/>
+              </a:solidFill>
+              <a:effectLst/>
+              <a:latin typeface="+mj-lt"/>
+            </a:endParaRPr>
+          </a:p>
+        </p:txBody>
+      </p:sp>
+    </p:spTree>
+    <p:extLst>
+      <p:ext uri="{BB962C8B-B14F-4D97-AF65-F5344CB8AC3E}">
+        <p14:creationId xmlns:p14="http://schemas.microsoft.com/office/powerpoint/2010/main" val="2001452256"/>
       </p:ext>
     </p:extLst>
   </p:cSld>
@@ -19829,7 +20912,7 @@
                 <a:cs typeface="Arial"/>
                 <a:sym typeface="Arial"/>
               </a:rPr>
-              <a:t>) code</a:t>
+              <a:t>) code.</a:t>
             </a:r>
           </a:p>
           <a:p>
@@ -19873,6 +20956,30 @@
               <a:buSzPts val="1400"/>
               <a:buNone/>
             </a:pPr>
+            <a:endParaRPr lang="en-US" dirty="0">
+              <a:latin typeface="Arial"/>
+              <a:ea typeface="Arial"/>
+              <a:cs typeface="Arial"/>
+              <a:sym typeface="Arial"/>
+            </a:endParaRPr>
+          </a:p>
+          <a:p>
+            <a:pPr marL="139700" lvl="0" indent="0" algn="l" rtl="0">
+              <a:lnSpc>
+                <a:spcPct val="100000"/>
+              </a:lnSpc>
+              <a:spcBef>
+                <a:spcPts val="0"/>
+              </a:spcBef>
+              <a:spcAft>
+                <a:spcPts val="0"/>
+              </a:spcAft>
+              <a:buClr>
+                <a:srgbClr val="000000"/>
+              </a:buClr>
+              <a:buSzPts val="1400"/>
+              <a:buNone/>
+            </a:pPr>
             <a:r>
               <a:rPr lang="en-US" dirty="0">
                 <a:latin typeface="Arial"/>
@@ -19924,45 +21031,6 @@
               <a:buSzPts val="1400"/>
               <a:buNone/>
             </a:pPr>
-            <a:r>
-              <a:rPr lang="en-US" dirty="0">
-                <a:latin typeface="Arial"/>
-                <a:ea typeface="Arial"/>
-                <a:cs typeface="Arial"/>
-                <a:sym typeface="Arial"/>
-              </a:rPr>
-              <a:t>Interface routines present in ET to launch ID from LORENE for evolution.</a:t>
-            </a:r>
-          </a:p>
-          <a:p>
-            <a:pPr marL="139700" indent="0">
-              <a:lnSpc>
-                <a:spcPct val="100000"/>
-              </a:lnSpc>
-              <a:buClr>
-                <a:srgbClr val="000000"/>
-              </a:buClr>
-              <a:buSzPts val="1400"/>
-              <a:buNone/>
-            </a:pPr>
-            <a:r>
-              <a:rPr lang="en-US" dirty="0">
-                <a:latin typeface="Arial"/>
-                <a:ea typeface="Arial"/>
-                <a:cs typeface="Arial"/>
-                <a:sym typeface="Arial"/>
-              </a:rPr>
-              <a:t>Thorns in ET that read LORENE ID /</a:t>
-            </a:r>
-            <a:r>
-              <a:rPr lang="en-US" dirty="0" err="1">
-                <a:latin typeface="Arial"/>
-                <a:ea typeface="Arial"/>
-                <a:cs typeface="Arial"/>
-                <a:sym typeface="Arial"/>
-              </a:rPr>
-              <a:t>Meudon_Bin_NS</a:t>
-            </a:r>
             <a:endParaRPr lang="en-US" dirty="0">
               <a:latin typeface="Arial"/>
               <a:ea typeface="Arial"/>
@@ -19987,63 +21055,51 @@
               <a:buSzPts val="1400"/>
               <a:buNone/>
             </a:pPr>
+            <a:r>
+              <a:rPr lang="en-US" dirty="0">
+                <a:latin typeface="Arial"/>
+                <a:ea typeface="Arial"/>
+                <a:cs typeface="Arial"/>
+                <a:sym typeface="Arial"/>
+              </a:rPr>
+              <a:t>Interface routines present in ET to launch ID from LORENE for evolution.</a:t>
+            </a:r>
+          </a:p>
+          <a:p>
+            <a:pPr marL="139700" indent="0">
+              <a:lnSpc>
+                <a:spcPct val="100000"/>
+              </a:lnSpc>
+              <a:buClr>
+                <a:srgbClr val="000000"/>
+              </a:buClr>
+              <a:buSzPts val="1400"/>
+              <a:buNone/>
+            </a:pPr>
+            <a:r>
+              <a:rPr lang="en-US" dirty="0">
+                <a:latin typeface="Arial"/>
+                <a:ea typeface="Arial"/>
+                <a:cs typeface="Arial"/>
+                <a:sym typeface="Arial"/>
+              </a:rPr>
+              <a:t>Thorns in ET that read LORENE ID /</a:t>
+            </a:r>
+            <a:r>
+              <a:rPr lang="en-US" dirty="0" err="1">
+                <a:latin typeface="Arial"/>
+                <a:ea typeface="Arial"/>
+                <a:cs typeface="Arial"/>
+                <a:sym typeface="Arial"/>
+              </a:rPr>
+              <a:t>Meudon_Bin_NS</a:t>
+            </a:r>
             <a:endParaRPr lang="en-US" dirty="0">
               <a:latin typeface="Arial"/>
               <a:ea typeface="Arial"/>
               <a:cs typeface="Arial"/>
               <a:sym typeface="Arial"/>
             </a:endParaRPr>
-          </a:p>
-          <a:p>
-            <a:pPr marL="139700" lvl="0" indent="0" algn="l" rtl="0">
-              <a:lnSpc>
-                <a:spcPct val="100000"/>
-              </a:lnSpc>
-              <a:spcBef>
-                <a:spcPts val="0"/>
-              </a:spcBef>
-              <a:spcAft>
-                <a:spcPts val="0"/>
-              </a:spcAft>
-              <a:buClr>
-                <a:srgbClr val="000000"/>
-              </a:buClr>
-              <a:buSzPts val="1400"/>
-              <a:buNone/>
-            </a:pPr>
-            <a:endParaRPr lang="en-US" dirty="0">
-              <a:latin typeface="Arial"/>
-              <a:ea typeface="Arial"/>
-              <a:cs typeface="Arial"/>
-              <a:sym typeface="Arial"/>
-            </a:endParaRPr>
-          </a:p>
-          <a:p>
-            <a:pPr marL="139700" lvl="0" indent="0" algn="l" rtl="0">
-              <a:lnSpc>
-                <a:spcPct val="100000"/>
-              </a:lnSpc>
-              <a:spcBef>
-                <a:spcPts val="0"/>
-              </a:spcBef>
-              <a:spcAft>
-                <a:spcPts val="0"/>
-              </a:spcAft>
-              <a:buClr>
-                <a:srgbClr val="000000"/>
-              </a:buClr>
-              <a:buSzPts val="1400"/>
-              <a:buNone/>
-            </a:pPr>
-            <a:r>
-              <a:rPr lang="en-US" dirty="0">
-                <a:latin typeface="Arial"/>
-                <a:ea typeface="Arial"/>
-                <a:cs typeface="Arial"/>
-                <a:sym typeface="Arial"/>
-              </a:rPr>
-              <a:t>Fundamentally serial code, not parallel.</a:t>
-            </a:r>
           </a:p>
         </p:txBody>
       </p:sp>
@@ -20209,7 +21265,7 @@
                 <a:cs typeface="Arial"/>
                 <a:sym typeface="Arial"/>
               </a:rPr>
-              <a:t>LORENE from website and LORENE2 (../Cactus/repos/LORENE2) available through ET.</a:t>
+              <a:t>LORENE from website and LORENE2 (../et/Cactus/repos/LORENE2) available through ET.</a:t>
             </a:r>
           </a:p>
           <a:p>
@@ -21347,6 +22403,135 @@
                 <a:sym typeface="Arial"/>
               </a:rPr>
               <a:t>(Takes around half an hour to install)</a:t>
+            </a:r>
+          </a:p>
+          <a:p>
+            <a:pPr marL="139700" lvl="0" indent="0" algn="l" rtl="0">
+              <a:lnSpc>
+                <a:spcPct val="100000"/>
+              </a:lnSpc>
+              <a:spcBef>
+                <a:spcPts val="0"/>
+              </a:spcBef>
+              <a:spcAft>
+                <a:spcPts val="0"/>
+              </a:spcAft>
+              <a:buClr>
+                <a:srgbClr val="000000"/>
+              </a:buClr>
+              <a:buSzPts val="1400"/>
+              <a:buNone/>
+            </a:pPr>
+            <a:endParaRPr lang="en-US" dirty="0">
+              <a:latin typeface="Arial"/>
+              <a:ea typeface="Arial"/>
+              <a:cs typeface="Arial"/>
+              <a:sym typeface="Arial"/>
+            </a:endParaRPr>
+          </a:p>
+          <a:p>
+            <a:pPr marL="139700" lvl="0" indent="0" algn="l" rtl="0">
+              <a:lnSpc>
+                <a:spcPct val="100000"/>
+              </a:lnSpc>
+              <a:spcBef>
+                <a:spcPts val="0"/>
+              </a:spcBef>
+              <a:spcAft>
+                <a:spcPts val="0"/>
+              </a:spcAft>
+              <a:buClr>
+                <a:srgbClr val="000000"/>
+              </a:buClr>
+              <a:buSzPts val="1400"/>
+              <a:buNone/>
+            </a:pPr>
+            <a:endParaRPr lang="en-US" dirty="0">
+              <a:latin typeface="Arial"/>
+              <a:ea typeface="Arial"/>
+              <a:cs typeface="Arial"/>
+              <a:sym typeface="Arial"/>
+            </a:endParaRPr>
+          </a:p>
+          <a:p>
+            <a:pPr marL="139700" lvl="0" indent="0" algn="l" rtl="0">
+              <a:lnSpc>
+                <a:spcPct val="100000"/>
+              </a:lnSpc>
+              <a:spcBef>
+                <a:spcPts val="0"/>
+              </a:spcBef>
+              <a:spcAft>
+                <a:spcPts val="0"/>
+              </a:spcAft>
+              <a:buClr>
+                <a:srgbClr val="000000"/>
+              </a:buClr>
+              <a:buSzPts val="1400"/>
+              <a:buNone/>
+            </a:pPr>
+            <a:r>
+              <a:rPr lang="en-US" dirty="0">
+                <a:latin typeface="Arial"/>
+                <a:ea typeface="Arial"/>
+                <a:cs typeface="Arial"/>
+                <a:sym typeface="Arial"/>
+              </a:rPr>
+              <a:t>On tutorial server, it is stored in a tar file by name Lorene.tar.gz</a:t>
+            </a:r>
+          </a:p>
+          <a:p>
+            <a:pPr marL="139700" lvl="0" indent="0" algn="l" rtl="0">
+              <a:lnSpc>
+                <a:spcPct val="100000"/>
+              </a:lnSpc>
+              <a:spcBef>
+                <a:spcPts val="0"/>
+              </a:spcBef>
+              <a:spcAft>
+                <a:spcPts val="0"/>
+              </a:spcAft>
+              <a:buClr>
+                <a:srgbClr val="000000"/>
+              </a:buClr>
+              <a:buSzPts val="1400"/>
+              <a:buNone/>
+            </a:pPr>
+            <a:r>
+              <a:rPr lang="en-US" dirty="0">
+                <a:latin typeface="Arial"/>
+                <a:ea typeface="Arial"/>
+                <a:cs typeface="Arial"/>
+                <a:sym typeface="Arial"/>
+              </a:rPr>
+              <a:t>Extract it from the terminal by 	&gt; </a:t>
+            </a:r>
+            <a:r>
+              <a:rPr lang="en-US" dirty="0">
+                <a:latin typeface="Bookman Old Style" panose="02050604050505020204" pitchFamily="18" charset="0"/>
+                <a:ea typeface="Arial"/>
+                <a:cs typeface="Arial"/>
+                <a:sym typeface="Arial"/>
+              </a:rPr>
+              <a:t>tar </a:t>
+            </a:r>
+            <a:r>
+              <a:rPr lang="en-US" dirty="0" err="1">
+                <a:latin typeface="Bookman Old Style" panose="02050604050505020204" pitchFamily="18" charset="0"/>
+                <a:ea typeface="Arial"/>
+                <a:cs typeface="Arial"/>
+                <a:sym typeface="Arial"/>
+              </a:rPr>
+              <a:t>xvf</a:t>
+            </a:r>
+            <a:r>
+              <a:rPr lang="en-US" dirty="0">
+                <a:latin typeface="Bookman Old Style" panose="02050604050505020204" pitchFamily="18" charset="0"/>
+                <a:ea typeface="Arial"/>
+                <a:cs typeface="Arial"/>
+                <a:sym typeface="Arial"/>
+              </a:rPr>
+              <a:t> Lorene.tar.gz</a:t>
             </a:r>
           </a:p>
         </p:txBody>
